--- a/elasticdl/doc/design_diagram.pptx
+++ b/elasticdl/doc/design_diagram.pptx
@@ -2147,7 +2147,7 @@
           </a:ln>
           <a:extLst>
             <a:ext uri="{C572A759-6A51-4108-AA02-DFA0A04FC94B}">
-              <ma14:wrappingTextBoxFlag xmlns="" xmlns:m="http://schemas.openxmlformats.org/officeDocument/2006/math" xmlns:a14="http://schemas.microsoft.com/office/drawing/2010/main" xmlns:ma14="http://schemas.microsoft.com/office/mac/drawingml/2011/main" val="1"/>
+              <ma14:wrappingTextBoxFlag xmlns:ma14="http://schemas.microsoft.com/office/mac/drawingml/2011/main" xmlns:a14="http://schemas.microsoft.com/office/drawing/2010/main" xmlns:m="http://schemas.openxmlformats.org/officeDocument/2006/math" xmlns="" val="1"/>
             </a:ext>
           </a:extLst>
         </p:spPr>
@@ -2186,7 +2186,7 @@
           </a:ln>
           <a:extLst>
             <a:ext uri="{C572A759-6A51-4108-AA02-DFA0A04FC94B}">
-              <ma14:wrappingTextBoxFlag xmlns="" xmlns:m="http://schemas.openxmlformats.org/officeDocument/2006/math" xmlns:a14="http://schemas.microsoft.com/office/drawing/2010/main" xmlns:ma14="http://schemas.microsoft.com/office/mac/drawingml/2011/main" val="1"/>
+              <ma14:wrappingTextBoxFlag xmlns:ma14="http://schemas.microsoft.com/office/mac/drawingml/2011/main" xmlns:a14="http://schemas.microsoft.com/office/drawing/2010/main" xmlns:m="http://schemas.openxmlformats.org/officeDocument/2006/math" xmlns="" val="1"/>
             </a:ext>
           </a:extLst>
         </p:spPr>
@@ -3026,7 +3026,7 @@
         </p:nvSpPr>
         <p:spPr>
           <a:xfrm>
-            <a:off x="1714650" y="2929145"/>
+            <a:off x="1714650" y="3653045"/>
             <a:ext cx="8048476" cy="1289466"/>
           </a:xfrm>
           <a:prstGeom prst="roundRect">
@@ -3042,7 +3042,7 @@
           </a:ln>
           <a:extLst>
             <a:ext uri="{C572A759-6A51-4108-AA02-DFA0A04FC94B}">
-              <ma14:wrappingTextBoxFlag xmlns="" xmlns:m="http://schemas.openxmlformats.org/officeDocument/2006/math" xmlns:a14="http://schemas.microsoft.com/office/drawing/2010/main" xmlns:ma14="http://schemas.microsoft.com/office/mac/drawingml/2011/main" val="1"/>
+              <ma14:wrappingTextBoxFlag xmlns:ma14="http://schemas.microsoft.com/office/mac/drawingml/2011/main" xmlns:a14="http://schemas.microsoft.com/office/drawing/2010/main" xmlns:m="http://schemas.openxmlformats.org/officeDocument/2006/math" xmlns="" val="1"/>
             </a:ext>
           </a:extLst>
         </p:spPr>
@@ -3074,7 +3074,7 @@
         </p:nvSpPr>
         <p:spPr>
           <a:xfrm>
-            <a:off x="1714648" y="4980406"/>
+            <a:off x="1714648" y="5704306"/>
             <a:ext cx="8048477" cy="1494196"/>
           </a:xfrm>
           <a:prstGeom prst="rect">
@@ -3092,7 +3092,7 @@
           </a:ln>
           <a:extLst>
             <a:ext uri="{C572A759-6A51-4108-AA02-DFA0A04FC94B}">
-              <ma14:wrappingTextBoxFlag xmlns="" xmlns:m="http://schemas.openxmlformats.org/officeDocument/2006/math" xmlns:a14="http://schemas.microsoft.com/office/drawing/2010/main" xmlns:ma14="http://schemas.microsoft.com/office/mac/drawingml/2011/main" val="1"/>
+              <ma14:wrappingTextBoxFlag xmlns:ma14="http://schemas.microsoft.com/office/mac/drawingml/2011/main" xmlns:a14="http://schemas.microsoft.com/office/drawing/2010/main" xmlns:m="http://schemas.openxmlformats.org/officeDocument/2006/math" xmlns="" val="1"/>
             </a:ext>
           </a:extLst>
         </p:spPr>
@@ -3167,7 +3167,7 @@
         </p:nvSpPr>
         <p:spPr>
           <a:xfrm>
-            <a:off x="2230587" y="5307332"/>
+            <a:off x="2230587" y="6031232"/>
             <a:ext cx="1537980" cy="420173"/>
           </a:xfrm>
           <a:prstGeom prst="rect">
@@ -3181,7 +3181,7 @@
           </a:ln>
           <a:extLst>
             <a:ext uri="{C572A759-6A51-4108-AA02-DFA0A04FC94B}">
-              <ma14:wrappingTextBoxFlag xmlns="" xmlns:m="http://schemas.openxmlformats.org/officeDocument/2006/math" xmlns:a14="http://schemas.microsoft.com/office/drawing/2010/main" xmlns:ma14="http://schemas.microsoft.com/office/mac/drawingml/2011/main" val="1"/>
+              <ma14:wrappingTextBoxFlag xmlns:ma14="http://schemas.microsoft.com/office/mac/drawingml/2011/main" xmlns:a14="http://schemas.microsoft.com/office/drawing/2010/main" xmlns:m="http://schemas.openxmlformats.org/officeDocument/2006/math" xmlns="" val="1"/>
             </a:ext>
           </a:extLst>
         </p:spPr>
@@ -3217,7 +3217,7 @@
         </p:nvSpPr>
         <p:spPr>
           <a:xfrm>
-            <a:off x="7617785" y="5301839"/>
+            <a:off x="7617785" y="6025739"/>
             <a:ext cx="1537979" cy="420173"/>
           </a:xfrm>
           <a:prstGeom prst="rect">
@@ -3231,7 +3231,7 @@
           </a:ln>
           <a:extLst>
             <a:ext uri="{C572A759-6A51-4108-AA02-DFA0A04FC94B}">
-              <ma14:wrappingTextBoxFlag xmlns="" xmlns:m="http://schemas.openxmlformats.org/officeDocument/2006/math" xmlns:a14="http://schemas.microsoft.com/office/drawing/2010/main" xmlns:ma14="http://schemas.microsoft.com/office/mac/drawingml/2011/main" val="1"/>
+              <ma14:wrappingTextBoxFlag xmlns:ma14="http://schemas.microsoft.com/office/mac/drawingml/2011/main" xmlns:a14="http://schemas.microsoft.com/office/drawing/2010/main" xmlns:m="http://schemas.openxmlformats.org/officeDocument/2006/math" xmlns="" val="1"/>
             </a:ext>
           </a:extLst>
         </p:spPr>
@@ -3267,7 +3267,7 @@
         </p:nvSpPr>
         <p:spPr>
           <a:xfrm>
-            <a:off x="4254525" y="5301840"/>
+            <a:off x="4254525" y="6025740"/>
             <a:ext cx="1537980" cy="420173"/>
           </a:xfrm>
           <a:prstGeom prst="rect">
@@ -3281,7 +3281,7 @@
           </a:ln>
           <a:extLst>
             <a:ext uri="{C572A759-6A51-4108-AA02-DFA0A04FC94B}">
-              <ma14:wrappingTextBoxFlag xmlns="" xmlns:m="http://schemas.openxmlformats.org/officeDocument/2006/math" xmlns:a14="http://schemas.microsoft.com/office/drawing/2010/main" xmlns:ma14="http://schemas.microsoft.com/office/mac/drawingml/2011/main" val="1"/>
+              <ma14:wrappingTextBoxFlag xmlns:ma14="http://schemas.microsoft.com/office/mac/drawingml/2011/main" xmlns:a14="http://schemas.microsoft.com/office/drawing/2010/main" xmlns:m="http://schemas.openxmlformats.org/officeDocument/2006/math" xmlns="" val="1"/>
             </a:ext>
           </a:extLst>
         </p:spPr>
@@ -3313,7 +3313,7 @@
         </p:nvSpPr>
         <p:spPr>
           <a:xfrm>
-            <a:off x="5936155" y="5300706"/>
+            <a:off x="5936155" y="6024606"/>
             <a:ext cx="1537980" cy="420173"/>
           </a:xfrm>
           <a:prstGeom prst="rect">
@@ -3325,7 +3325,7 @@
           </a:ln>
           <a:extLst>
             <a:ext uri="{C572A759-6A51-4108-AA02-DFA0A04FC94B}">
-              <ma14:wrappingTextBoxFlag xmlns="" xmlns:m="http://schemas.openxmlformats.org/officeDocument/2006/math" xmlns:a14="http://schemas.microsoft.com/office/drawing/2010/main" xmlns:ma14="http://schemas.microsoft.com/office/mac/drawingml/2011/main" val="1"/>
+              <ma14:wrappingTextBoxFlag xmlns:ma14="http://schemas.microsoft.com/office/mac/drawingml/2011/main" xmlns:a14="http://schemas.microsoft.com/office/drawing/2010/main" xmlns:m="http://schemas.openxmlformats.org/officeDocument/2006/math" xmlns="" val="1"/>
             </a:ext>
           </a:extLst>
         </p:spPr>
@@ -3366,7 +3366,7 @@
         <p:spPr>
           <a:xfrm>
             <a:off x="9940650" y="2077971"/>
-            <a:ext cx="1637677" cy="5780153"/>
+            <a:ext cx="1637677" cy="5120531"/>
           </a:xfrm>
           <a:prstGeom prst="rect">
             <a:avLst/>
@@ -3382,7 +3382,7 @@
           </a:ln>
           <a:extLst>
             <a:ext uri="{C572A759-6A51-4108-AA02-DFA0A04FC94B}">
-              <ma14:wrappingTextBoxFlag xmlns="" xmlns:m="http://schemas.openxmlformats.org/officeDocument/2006/math" xmlns:a14="http://schemas.microsoft.com/office/drawing/2010/main" xmlns:ma14="http://schemas.microsoft.com/office/mac/drawingml/2011/main" val="1"/>
+              <ma14:wrappingTextBoxFlag xmlns:ma14="http://schemas.microsoft.com/office/mac/drawingml/2011/main" xmlns:a14="http://schemas.microsoft.com/office/drawing/2010/main" xmlns:m="http://schemas.openxmlformats.org/officeDocument/2006/math" xmlns="" val="1"/>
             </a:ext>
           </a:extLst>
         </p:spPr>
@@ -3433,7 +3433,7 @@
         </p:nvSpPr>
         <p:spPr>
           <a:xfrm>
-            <a:off x="3914240" y="1985510"/>
+            <a:off x="3927758" y="2205691"/>
             <a:ext cx="3001171" cy="446922"/>
           </a:xfrm>
           <a:custGeom>
@@ -3542,7 +3542,7 @@
           </a:ln>
           <a:extLst>
             <a:ext uri="{C572A759-6A51-4108-AA02-DFA0A04FC94B}">
-              <ma14:wrappingTextBoxFlag xmlns="" xmlns:m="http://schemas.openxmlformats.org/officeDocument/2006/math" xmlns:a14="http://schemas.microsoft.com/office/drawing/2010/main" xmlns:ma14="http://schemas.microsoft.com/office/mac/drawingml/2011/main" val="1"/>
+              <ma14:wrappingTextBoxFlag xmlns:ma14="http://schemas.microsoft.com/office/mac/drawingml/2011/main" xmlns:a14="http://schemas.microsoft.com/office/drawing/2010/main" xmlns:m="http://schemas.openxmlformats.org/officeDocument/2006/math" xmlns="" val="1"/>
             </a:ext>
           </a:extLst>
         </p:spPr>
@@ -3572,7 +3572,7 @@
         </p:nvSpPr>
         <p:spPr>
           <a:xfrm>
-            <a:off x="7037173" y="2037341"/>
+            <a:off x="7003405" y="2205691"/>
             <a:ext cx="2725952" cy="844154"/>
           </a:xfrm>
           <a:prstGeom prst="rect">
@@ -3583,7 +3583,7 @@
           </a:ln>
           <a:extLst>
             <a:ext uri="{C572A759-6A51-4108-AA02-DFA0A04FC94B}">
-              <ma14:wrappingTextBoxFlag xmlns="" xmlns:m="http://schemas.openxmlformats.org/officeDocument/2006/math" xmlns:a14="http://schemas.microsoft.com/office/drawing/2010/main" xmlns:ma14="http://schemas.microsoft.com/office/mac/drawingml/2011/main" val="1"/>
+              <ma14:wrappingTextBoxFlag xmlns:ma14="http://schemas.microsoft.com/office/mac/drawingml/2011/main" xmlns:a14="http://schemas.microsoft.com/office/drawing/2010/main" xmlns:m="http://schemas.openxmlformats.org/officeDocument/2006/math" xmlns="" val="1"/>
             </a:ext>
           </a:extLst>
         </p:spPr>
@@ -3634,12 +3634,8 @@
               <a:t> </a:t>
             </a:r>
             <a:r>
-              <a:rPr lang="en-US" dirty="0" smtClean="0"/>
-              <a:t>k8s </a:t>
-            </a:r>
-            <a:r>
-              <a:rPr lang="en-US" altLang="zh-CN" dirty="0" smtClean="0"/>
-              <a:t>repository</a:t>
+              <a:rPr lang="en-US" dirty="0"/>
+              <a:t>user-specified image repository</a:t>
             </a:r>
             <a:endParaRPr dirty="0"/>
           </a:p>
@@ -3661,13 +3657,133 @@
       </p:sp>
       <p:sp>
         <p:nvSpPr>
-          <p:cNvPr id="129" name="nn.Module"/>
+          <p:cNvPr id="131" name="GRPC Service:   GetTask    PushResult    GetStatus"/>
           <p:cNvSpPr/>
           <p:nvPr/>
         </p:nvSpPr>
         <p:spPr>
           <a:xfrm>
-            <a:off x="10110412" y="2230381"/>
+            <a:off x="2105934" y="4155870"/>
+            <a:ext cx="7361917" cy="685551"/>
+          </a:xfrm>
+          <a:prstGeom prst="rect">
+            <a:avLst/>
+          </a:prstGeom>
+          <a:solidFill>
+            <a:schemeClr val="accent3">
+              <a:alpha val="94383"/>
+            </a:schemeClr>
+          </a:solidFill>
+          <a:ln w="12700">
+            <a:miter lim="400000"/>
+          </a:ln>
+          <a:extLst>
+            <a:ext uri="{C572A759-6A51-4108-AA02-DFA0A04FC94B}">
+              <ma14:wrappingTextBoxFlag xmlns:ma14="http://schemas.microsoft.com/office/mac/drawingml/2011/main" xmlns:a14="http://schemas.microsoft.com/office/drawing/2010/main" xmlns:m="http://schemas.openxmlformats.org/officeDocument/2006/math" xmlns="" val="1"/>
+            </a:ext>
+          </a:extLst>
+        </p:spPr>
+        <p:txBody>
+          <a:bodyPr lIns="101600" tIns="101600" rIns="101600" bIns="101600" anchor="b"/>
+          <a:lstStyle>
+            <a:lvl1pPr algn="l" defTabSz="457200">
+              <a:defRPr>
+                <a:solidFill>
+                  <a:srgbClr val="FFFFFF"/>
+                </a:solidFill>
+              </a:defRPr>
+            </a:lvl1pPr>
+          </a:lstStyle>
+          <a:p>
+            <a:r>
+              <a:rPr dirty="0" smtClean="0"/>
+              <a:t>GRPC Service:</a:t>
+            </a:r>
+            <a:r>
+              <a:rPr lang="en-US" dirty="0" smtClean="0"/>
+              <a:t> </a:t>
+            </a:r>
+            <a:r>
+              <a:rPr dirty="0" err="1" smtClean="0"/>
+              <a:t>GetTask</a:t>
+            </a:r>
+            <a:r>
+              <a:rPr lang="en-US" dirty="0" smtClean="0"/>
+              <a:t> </a:t>
+            </a:r>
+            <a:r>
+              <a:rPr lang="en-US" altLang="zh-CN" dirty="0" smtClean="0"/>
+              <a:t>/ </a:t>
+            </a:r>
+            <a:r>
+              <a:rPr lang="en-US" dirty="0" smtClean="0"/>
+              <a:t>GetModel </a:t>
+            </a:r>
+            <a:r>
+              <a:rPr lang="en-US" altLang="zh-CN" dirty="0" smtClean="0"/>
+              <a:t>/ </a:t>
+            </a:r>
+            <a:r>
+              <a:rPr lang="en-US" dirty="0" err="1" smtClean="0"/>
+              <a:t>ReportVariable</a:t>
+            </a:r>
+            <a:r>
+              <a:rPr lang="en-US" dirty="0" smtClean="0"/>
+              <a:t> </a:t>
+            </a:r>
+            <a:r>
+              <a:rPr lang="en-US" altLang="zh-CN" dirty="0" smtClean="0"/>
+              <a:t>/ </a:t>
+            </a:r>
+            <a:r>
+              <a:rPr lang="en-US" dirty="0" smtClean="0"/>
+              <a:t>ReportGradient </a:t>
+            </a:r>
+            <a:r>
+              <a:rPr lang="en-US" altLang="zh-CN" dirty="0" smtClean="0"/>
+              <a:t>/</a:t>
+            </a:r>
+            <a:r>
+              <a:rPr lang="en-US" altLang="zh-CN" dirty="0"/>
+              <a:t> </a:t>
+            </a:r>
+            <a:r>
+              <a:rPr lang="en-US" altLang="zh-CN" dirty="0" smtClean="0"/>
+              <a:t>                           	         </a:t>
+            </a:r>
+            <a:r>
+              <a:rPr lang="en-US" dirty="0" smtClean="0"/>
+              <a:t>ReportEvaluationMetrics </a:t>
+            </a:r>
+            <a:r>
+              <a:rPr lang="en-US" altLang="zh-CN" dirty="0" smtClean="0"/>
+              <a:t>/</a:t>
+            </a:r>
+            <a:r>
+              <a:rPr lang="en-US" dirty="0" smtClean="0"/>
+              <a:t> </a:t>
+            </a:r>
+            <a:r>
+              <a:rPr lang="en-US" dirty="0" err="1" smtClean="0"/>
+              <a:t>ReportTaskResult</a:t>
+            </a:r>
+            <a:r>
+              <a:rPr lang="en-US" dirty="0" smtClean="0"/>
+              <a:t>  </a:t>
+            </a:r>
+            <a:endParaRPr dirty="0"/>
+          </a:p>
+        </p:txBody>
+      </p:sp>
+      <p:sp>
+        <p:nvSpPr>
+          <p:cNvPr id="133" name="Model0"/>
+          <p:cNvSpPr/>
+          <p:nvPr/>
+        </p:nvSpPr>
+        <p:spPr>
+          <a:xfrm>
+            <a:off x="10142432" y="4755912"/>
             <a:ext cx="1358491" cy="446922"/>
           </a:xfrm>
           <a:prstGeom prst="roundRect">
@@ -3685,7 +3801,7 @@
           </a:ln>
           <a:extLst>
             <a:ext uri="{C572A759-6A51-4108-AA02-DFA0A04FC94B}">
-              <ma14:wrappingTextBoxFlag xmlns="" xmlns:m="http://schemas.openxmlformats.org/officeDocument/2006/math" xmlns:a14="http://schemas.microsoft.com/office/drawing/2010/main" xmlns:ma14="http://schemas.microsoft.com/office/mac/drawingml/2011/main" val="1"/>
+              <ma14:wrappingTextBoxFlag xmlns:ma14="http://schemas.microsoft.com/office/mac/drawingml/2011/main" xmlns:a14="http://schemas.microsoft.com/office/drawing/2010/main" xmlns:m="http://schemas.openxmlformats.org/officeDocument/2006/math" xmlns="" val="1"/>
             </a:ext>
           </a:extLst>
         </p:spPr>
@@ -3702,209 +3818,26 @@
           </a:lstStyle>
           <a:p>
             <a:r>
-              <a:rPr lang="en-US" dirty="0" smtClean="0"/>
-              <a:t>Docker image</a:t>
-            </a:r>
-            <a:endParaRPr dirty="0"/>
-          </a:p>
-        </p:txBody>
-      </p:sp>
-      <p:sp>
-        <p:nvSpPr>
-          <p:cNvPr id="131" name="GRPC Service:   GetTask    PushResult    GetStatus"/>
+              <a:rPr lang="en-US" altLang="zh-CN" sz="1200" dirty="0" smtClean="0"/>
+              <a:t>Checkpoint-</a:t>
+            </a:r>
+            <a:r>
+              <a:rPr sz="1200" dirty="0" smtClean="0"/>
+              <a:t>0</a:t>
+            </a:r>
+            <a:endParaRPr sz="1200" dirty="0"/>
+          </a:p>
+        </p:txBody>
+      </p:sp>
+      <p:sp>
+        <p:nvSpPr>
+          <p:cNvPr id="134" name="Model1"/>
           <p:cNvSpPr/>
           <p:nvPr/>
         </p:nvSpPr>
         <p:spPr>
           <a:xfrm>
-            <a:off x="2105934" y="3431970"/>
-            <a:ext cx="7361917" cy="685551"/>
-          </a:xfrm>
-          <a:prstGeom prst="rect">
-            <a:avLst/>
-          </a:prstGeom>
-          <a:solidFill>
-            <a:schemeClr val="accent3">
-              <a:alpha val="94383"/>
-            </a:schemeClr>
-          </a:solidFill>
-          <a:ln w="12700">
-            <a:miter lim="400000"/>
-          </a:ln>
-          <a:extLst>
-            <a:ext uri="{C572A759-6A51-4108-AA02-DFA0A04FC94B}">
-              <ma14:wrappingTextBoxFlag xmlns="" xmlns:m="http://schemas.openxmlformats.org/officeDocument/2006/math" xmlns:a14="http://schemas.microsoft.com/office/drawing/2010/main" xmlns:ma14="http://schemas.microsoft.com/office/mac/drawingml/2011/main" val="1"/>
-            </a:ext>
-          </a:extLst>
-        </p:spPr>
-        <p:txBody>
-          <a:bodyPr lIns="101600" tIns="101600" rIns="101600" bIns="101600" anchor="b"/>
-          <a:lstStyle>
-            <a:lvl1pPr algn="l" defTabSz="457200">
-              <a:defRPr>
-                <a:solidFill>
-                  <a:srgbClr val="FFFFFF"/>
-                </a:solidFill>
-              </a:defRPr>
-            </a:lvl1pPr>
-          </a:lstStyle>
-          <a:p>
-            <a:r>
-              <a:rPr dirty="0" smtClean="0"/>
-              <a:t>GRPC Service:</a:t>
-            </a:r>
-            <a:r>
-              <a:rPr lang="en-US" dirty="0" smtClean="0"/>
-              <a:t> </a:t>
-            </a:r>
-            <a:r>
-              <a:rPr dirty="0" err="1" smtClean="0"/>
-              <a:t>GetTask</a:t>
-            </a:r>
-            <a:r>
-              <a:rPr lang="en-US" dirty="0" smtClean="0"/>
-              <a:t> </a:t>
-            </a:r>
-            <a:r>
-              <a:rPr lang="en-US" altLang="zh-CN" dirty="0" smtClean="0"/>
-              <a:t>/ </a:t>
-            </a:r>
-            <a:r>
-              <a:rPr lang="en-US" dirty="0" smtClean="0"/>
-              <a:t>GetModel </a:t>
-            </a:r>
-            <a:r>
-              <a:rPr lang="en-US" altLang="zh-CN" dirty="0" smtClean="0"/>
-              <a:t>/ </a:t>
-            </a:r>
-            <a:r>
-              <a:rPr lang="en-US" dirty="0" err="1" smtClean="0"/>
-              <a:t>ReportVariable</a:t>
-            </a:r>
-            <a:r>
-              <a:rPr lang="en-US" dirty="0" smtClean="0"/>
-              <a:t> </a:t>
-            </a:r>
-            <a:r>
-              <a:rPr lang="en-US" altLang="zh-CN" dirty="0" smtClean="0"/>
-              <a:t>/ </a:t>
-            </a:r>
-            <a:r>
-              <a:rPr lang="en-US" dirty="0" smtClean="0"/>
-              <a:t>ReportGradient </a:t>
-            </a:r>
-            <a:r>
-              <a:rPr lang="en-US" altLang="zh-CN" dirty="0" smtClean="0"/>
-              <a:t>/</a:t>
-            </a:r>
-            <a:r>
-              <a:rPr lang="en-US" altLang="zh-CN" dirty="0"/>
-              <a:t> </a:t>
-            </a:r>
-            <a:r>
-              <a:rPr lang="en-US" altLang="zh-CN" dirty="0" smtClean="0"/>
-              <a:t>                           	         </a:t>
-            </a:r>
-            <a:r>
-              <a:rPr lang="en-US" dirty="0" smtClean="0"/>
-              <a:t>ReportEvaluationMetrics </a:t>
-            </a:r>
-            <a:r>
-              <a:rPr lang="en-US" altLang="zh-CN" dirty="0" smtClean="0"/>
-              <a:t>/</a:t>
-            </a:r>
-            <a:r>
-              <a:rPr lang="en-US" dirty="0" smtClean="0"/>
-              <a:t> </a:t>
-            </a:r>
-            <a:r>
-              <a:rPr lang="en-US" dirty="0" err="1" smtClean="0"/>
-              <a:t>ReportTaskResult</a:t>
-            </a:r>
-            <a:r>
-              <a:rPr lang="en-US" dirty="0" smtClean="0"/>
-              <a:t>  </a:t>
-            </a:r>
-            <a:endParaRPr dirty="0"/>
-          </a:p>
-        </p:txBody>
-      </p:sp>
-      <p:sp>
-        <p:nvSpPr>
-          <p:cNvPr id="132" name="2b. A number of bees are launched (by client or by coordinator?)"/>
-          <p:cNvSpPr txBox="1"/>
-          <p:nvPr/>
-        </p:nvSpPr>
-        <p:spPr>
-          <a:xfrm>
-            <a:off x="1701106" y="6519948"/>
-            <a:ext cx="5614093" cy="245115"/>
-          </a:xfrm>
-          <a:prstGeom prst="rect">
-            <a:avLst/>
-          </a:prstGeom>
-          <a:ln w="12700">
-            <a:miter lim="400000"/>
-          </a:ln>
-          <a:extLst>
-            <a:ext uri="{C572A759-6A51-4108-AA02-DFA0A04FC94B}">
-              <ma14:wrappingTextBoxFlag xmlns="" xmlns:m="http://schemas.openxmlformats.org/officeDocument/2006/math" xmlns:a14="http://schemas.microsoft.com/office/drawing/2010/main" xmlns:ma14="http://schemas.microsoft.com/office/mac/drawingml/2011/main" val="1"/>
-            </a:ext>
-          </a:extLst>
-        </p:spPr>
-        <p:txBody>
-          <a:bodyPr lIns="50800" tIns="50800" rIns="50800" bIns="50800"/>
-          <a:lstStyle>
-            <a:lvl1pPr algn="l" defTabSz="457200">
-              <a:defRPr sz="1100"/>
-            </a:lvl1pPr>
-          </a:lstStyle>
-          <a:p>
-            <a:r>
-              <a:rPr dirty="0" smtClean="0"/>
-              <a:t>2</a:t>
-            </a:r>
-            <a:r>
-              <a:rPr lang="en-US" dirty="0" smtClean="0"/>
-              <a:t>d</a:t>
-            </a:r>
-            <a:r>
-              <a:rPr dirty="0" smtClean="0"/>
-              <a:t>. </a:t>
-            </a:r>
-            <a:r>
-              <a:rPr dirty="0"/>
-              <a:t>A number of </a:t>
-            </a:r>
-            <a:r>
-              <a:rPr lang="en-US" dirty="0" smtClean="0"/>
-              <a:t>worker</a:t>
-            </a:r>
-            <a:r>
-              <a:rPr dirty="0" smtClean="0"/>
-              <a:t>s </a:t>
-            </a:r>
-            <a:r>
-              <a:rPr dirty="0"/>
-              <a:t>are launched </a:t>
-            </a:r>
-            <a:r>
-              <a:rPr lang="en-US" dirty="0" smtClean="0"/>
-              <a:t>by master, and shared storage be mounted.</a:t>
-            </a:r>
-            <a:endParaRPr dirty="0"/>
-          </a:p>
-        </p:txBody>
-      </p:sp>
-      <p:sp>
-        <p:nvSpPr>
-          <p:cNvPr id="133" name="Model0"/>
-          <p:cNvSpPr/>
-          <p:nvPr/>
-        </p:nvSpPr>
-        <p:spPr>
-          <a:xfrm>
-            <a:off x="10142432" y="4755912"/>
+            <a:off x="10142432" y="5421392"/>
             <a:ext cx="1358491" cy="446922"/>
           </a:xfrm>
           <a:prstGeom prst="roundRect">
@@ -3922,7 +3855,7 @@
           </a:ln>
           <a:extLst>
             <a:ext uri="{C572A759-6A51-4108-AA02-DFA0A04FC94B}">
-              <ma14:wrappingTextBoxFlag xmlns="" xmlns:m="http://schemas.openxmlformats.org/officeDocument/2006/math" xmlns:a14="http://schemas.microsoft.com/office/drawing/2010/main" xmlns:ma14="http://schemas.microsoft.com/office/mac/drawingml/2011/main" val="1"/>
+              <ma14:wrappingTextBoxFlag xmlns:ma14="http://schemas.microsoft.com/office/mac/drawingml/2011/main" xmlns:a14="http://schemas.microsoft.com/office/drawing/2010/main" xmlns:m="http://schemas.openxmlformats.org/officeDocument/2006/math" xmlns="" val="1"/>
             </a:ext>
           </a:extLst>
         </p:spPr>
@@ -3939,30 +3872,451 @@
           </a:lstStyle>
           <a:p>
             <a:r>
-              <a:rPr dirty="0" smtClean="0"/>
-              <a:t>Model</a:t>
-            </a:r>
-            <a:r>
-              <a:rPr lang="en-US" altLang="zh-CN" dirty="0" smtClean="0"/>
-              <a:t>-</a:t>
-            </a:r>
-            <a:r>
-              <a:rPr dirty="0" smtClean="0"/>
-              <a:t>0</a:t>
-            </a:r>
-            <a:endParaRPr dirty="0"/>
-          </a:p>
-        </p:txBody>
-      </p:sp>
-      <p:sp>
-        <p:nvSpPr>
-          <p:cNvPr id="134" name="Model1"/>
+              <a:rPr lang="en-US" altLang="zh-CN" sz="1200" dirty="0" smtClean="0"/>
+              <a:t>Checkpoint-</a:t>
+            </a:r>
+            <a:r>
+              <a:rPr sz="1200" dirty="0" smtClean="0"/>
+              <a:t>1</a:t>
+            </a:r>
+            <a:endParaRPr sz="1200" dirty="0"/>
+          </a:p>
+        </p:txBody>
+      </p:sp>
+      <p:sp>
+        <p:nvSpPr>
+          <p:cNvPr id="135" name="直线"/>
           <p:cNvSpPr/>
           <p:nvPr/>
         </p:nvSpPr>
         <p:spPr>
-          <a:xfrm>
-            <a:off x="10142432" y="5421392"/>
+          <a:xfrm flipH="1">
+            <a:off x="5509260" y="2661915"/>
+            <a:ext cx="10067" cy="890040"/>
+          </a:xfrm>
+          <a:prstGeom prst="line">
+            <a:avLst/>
+          </a:prstGeom>
+          <a:ln w="25400">
+            <a:solidFill>
+              <a:srgbClr val="000000"/>
+            </a:solidFill>
+            <a:miter lim="400000"/>
+            <a:tailEnd type="triangle"/>
+          </a:ln>
+        </p:spPr>
+        <p:txBody>
+          <a:bodyPr lIns="101600" tIns="101600" rIns="101600" bIns="101600" anchor="ctr"/>
+          <a:lstStyle/>
+          <a:p>
+            <a:pPr defTabSz="457200">
+              <a:defRPr sz="1200">
+                <a:solidFill>
+                  <a:srgbClr val="FFFFFF"/>
+                </a:solidFill>
+              </a:defRPr>
+            </a:pPr>
+            <a:endParaRPr/>
+          </a:p>
+        </p:txBody>
+      </p:sp>
+      <p:sp>
+        <p:nvSpPr>
+          <p:cNvPr id="136" name="Query status"/>
+          <p:cNvSpPr txBox="1"/>
+          <p:nvPr/>
+        </p:nvSpPr>
+        <p:spPr>
+          <a:xfrm>
+            <a:off x="4586452" y="2736012"/>
+            <a:ext cx="1059697" cy="319486"/>
+          </a:xfrm>
+          <a:prstGeom prst="rect">
+            <a:avLst/>
+          </a:prstGeom>
+          <a:ln w="12700">
+            <a:miter lim="400000"/>
+          </a:ln>
+          <a:extLst>
+            <a:ext uri="{C572A759-6A51-4108-AA02-DFA0A04FC94B}">
+              <ma14:wrappingTextBoxFlag xmlns:ma14="http://schemas.microsoft.com/office/mac/drawingml/2011/main" xmlns:a14="http://schemas.microsoft.com/office/drawing/2010/main" xmlns:m="http://schemas.openxmlformats.org/officeDocument/2006/math" xmlns="" val="1"/>
+            </a:ext>
+          </a:extLst>
+        </p:spPr>
+        <p:txBody>
+          <a:bodyPr lIns="50800" tIns="50800" rIns="50800" bIns="50800"/>
+          <a:lstStyle>
+            <a:lvl1pPr algn="l" defTabSz="457200">
+              <a:defRPr sz="1100"/>
+            </a:lvl1pPr>
+          </a:lstStyle>
+          <a:p>
+            <a:r>
+              <a:rPr dirty="0"/>
+              <a:t>Query status</a:t>
+            </a:r>
+          </a:p>
+        </p:txBody>
+      </p:sp>
+      <p:sp>
+        <p:nvSpPr>
+          <p:cNvPr id="137" name="直线"/>
+          <p:cNvSpPr/>
+          <p:nvPr/>
+        </p:nvSpPr>
+        <p:spPr>
+          <a:xfrm flipH="1">
+            <a:off x="9467851" y="3198575"/>
+            <a:ext cx="452347" cy="409122"/>
+          </a:xfrm>
+          <a:prstGeom prst="line">
+            <a:avLst/>
+          </a:prstGeom>
+          <a:ln w="25400">
+            <a:solidFill>
+              <a:srgbClr val="000000"/>
+            </a:solidFill>
+            <a:miter lim="400000"/>
+            <a:headEnd type="triangle"/>
+            <a:tailEnd type="triangle"/>
+          </a:ln>
+        </p:spPr>
+        <p:txBody>
+          <a:bodyPr lIns="101600" tIns="101600" rIns="101600" bIns="101600" anchor="ctr"/>
+          <a:lstStyle/>
+          <a:p>
+            <a:pPr defTabSz="457200">
+              <a:defRPr sz="1200">
+                <a:solidFill>
+                  <a:srgbClr val="FFFFFF"/>
+                </a:solidFill>
+              </a:defRPr>
+            </a:pPr>
+            <a:endParaRPr/>
+          </a:p>
+        </p:txBody>
+      </p:sp>
+      <p:sp>
+        <p:nvSpPr>
+          <p:cNvPr id="138" name="直线"/>
+          <p:cNvSpPr/>
+          <p:nvPr/>
+        </p:nvSpPr>
+        <p:spPr>
+          <a:xfrm flipV="1">
+            <a:off x="6955827" y="4957088"/>
+            <a:ext cx="4977" cy="701871"/>
+          </a:xfrm>
+          <a:prstGeom prst="line">
+            <a:avLst/>
+          </a:prstGeom>
+          <a:ln w="25400">
+            <a:solidFill>
+              <a:srgbClr val="000000"/>
+            </a:solidFill>
+            <a:miter lim="400000"/>
+            <a:tailEnd type="triangle"/>
+          </a:ln>
+        </p:spPr>
+        <p:txBody>
+          <a:bodyPr lIns="101600" tIns="101600" rIns="101600" bIns="101600" anchor="ctr"/>
+          <a:lstStyle/>
+          <a:p>
+            <a:pPr defTabSz="457200">
+              <a:defRPr sz="1200">
+                <a:solidFill>
+                  <a:srgbClr val="FFFFFF"/>
+                </a:solidFill>
+              </a:defRPr>
+            </a:pPr>
+            <a:endParaRPr/>
+          </a:p>
+        </p:txBody>
+      </p:sp>
+      <p:sp>
+        <p:nvSpPr>
+          <p:cNvPr id="140" name="4. A bee GetTask from coordinator, read corresponding data from shared storage, running the task (training or evaluation)"/>
+          <p:cNvSpPr txBox="1"/>
+          <p:nvPr/>
+        </p:nvSpPr>
+        <p:spPr>
+          <a:xfrm>
+            <a:off x="4230402" y="4999972"/>
+            <a:ext cx="2698527" cy="878504"/>
+          </a:xfrm>
+          <a:prstGeom prst="rect">
+            <a:avLst/>
+          </a:prstGeom>
+          <a:ln w="12700">
+            <a:miter lim="400000"/>
+          </a:ln>
+          <a:extLst>
+            <a:ext uri="{C572A759-6A51-4108-AA02-DFA0A04FC94B}">
+              <ma14:wrappingTextBoxFlag xmlns:ma14="http://schemas.microsoft.com/office/mac/drawingml/2011/main" xmlns:a14="http://schemas.microsoft.com/office/drawing/2010/main" xmlns:m="http://schemas.openxmlformats.org/officeDocument/2006/math" xmlns="" val="1"/>
+            </a:ext>
+          </a:extLst>
+        </p:spPr>
+        <p:txBody>
+          <a:bodyPr lIns="50800" tIns="50800" rIns="50800" bIns="50800"/>
+          <a:lstStyle>
+            <a:lvl1pPr algn="l" defTabSz="457200">
+              <a:defRPr sz="1100"/>
+            </a:lvl1pPr>
+          </a:lstStyle>
+          <a:p>
+            <a:r>
+              <a:rPr lang="en-US" dirty="0" smtClean="0"/>
+              <a:t>3</a:t>
+            </a:r>
+            <a:r>
+              <a:rPr dirty="0" smtClean="0"/>
+              <a:t>. </a:t>
+            </a:r>
+            <a:r>
+              <a:rPr dirty="0"/>
+              <a:t>A </a:t>
+            </a:r>
+            <a:r>
+              <a:rPr lang="en-US" dirty="0" smtClean="0"/>
+              <a:t>worker</a:t>
+            </a:r>
+            <a:r>
+              <a:rPr dirty="0" smtClean="0"/>
+              <a:t> </a:t>
+            </a:r>
+            <a:r>
+              <a:rPr dirty="0" err="1" smtClean="0"/>
+              <a:t>GetTask</a:t>
+            </a:r>
+            <a:r>
+              <a:rPr dirty="0" smtClean="0"/>
+              <a:t> </a:t>
+            </a:r>
+            <a:r>
+              <a:rPr dirty="0"/>
+              <a:t>from </a:t>
+            </a:r>
+            <a:r>
+              <a:rPr lang="en-US" dirty="0" smtClean="0"/>
+              <a:t>master</a:t>
+            </a:r>
+            <a:r>
+              <a:rPr dirty="0" smtClean="0"/>
+              <a:t>, </a:t>
+            </a:r>
+            <a:r>
+              <a:rPr lang="en-US" dirty="0" smtClean="0"/>
+              <a:t>compute gradients and report back to master.</a:t>
+            </a:r>
+            <a:endParaRPr dirty="0"/>
+          </a:p>
+        </p:txBody>
+      </p:sp>
+      <p:sp>
+        <p:nvSpPr>
+          <p:cNvPr id="142" name="3a. Coordinator creates a task queue (data, nn.Module, hyperparameter, optional_init_model).…"/>
+          <p:cNvSpPr txBox="1"/>
+          <p:nvPr/>
+        </p:nvSpPr>
+        <p:spPr>
+          <a:xfrm>
+            <a:off x="1749956" y="2015183"/>
+            <a:ext cx="2177802" cy="1320782"/>
+          </a:xfrm>
+          <a:prstGeom prst="rect">
+            <a:avLst/>
+          </a:prstGeom>
+          <a:ln w="12700">
+            <a:miter lim="400000"/>
+          </a:ln>
+          <a:extLst>
+            <a:ext uri="{C572A759-6A51-4108-AA02-DFA0A04FC94B}">
+              <ma14:wrappingTextBoxFlag xmlns:ma14="http://schemas.microsoft.com/office/mac/drawingml/2011/main" xmlns:a14="http://schemas.microsoft.com/office/drawing/2010/main" xmlns:m="http://schemas.openxmlformats.org/officeDocument/2006/math" xmlns="" val="1"/>
+            </a:ext>
+          </a:extLst>
+        </p:spPr>
+        <p:txBody>
+          <a:bodyPr lIns="50800" tIns="50800" rIns="50800" bIns="50800"/>
+          <a:lstStyle/>
+          <a:p>
+            <a:pPr algn="l" defTabSz="457200">
+              <a:defRPr sz="1100"/>
+            </a:pPr>
+            <a:r>
+              <a:rPr lang="en-US" dirty="0" smtClean="0"/>
+              <a:t>2</a:t>
+            </a:r>
+            <a:r>
+              <a:rPr dirty="0" smtClean="0"/>
+              <a:t>a</a:t>
+            </a:r>
+            <a:r>
+              <a:rPr dirty="0"/>
+              <a:t>. </a:t>
+            </a:r>
+            <a:r>
+              <a:rPr lang="en-US" dirty="0" smtClean="0"/>
+              <a:t>Master</a:t>
+            </a:r>
+            <a:r>
+              <a:rPr dirty="0" smtClean="0"/>
+              <a:t> </a:t>
+            </a:r>
+            <a:r>
+              <a:rPr lang="en-US" dirty="0" smtClean="0"/>
+              <a:t>create</a:t>
+            </a:r>
+            <a:r>
+              <a:rPr dirty="0" smtClean="0"/>
+              <a:t> task</a:t>
+            </a:r>
+            <a:r>
+              <a:rPr lang="en-US" dirty="0" smtClean="0"/>
+              <a:t> queue</a:t>
+            </a:r>
+          </a:p>
+          <a:p>
+            <a:pPr algn="l" defTabSz="457200">
+              <a:defRPr sz="1100"/>
+            </a:pPr>
+            <a:r>
+              <a:rPr lang="en-US" dirty="0" smtClean="0"/>
+              <a:t>2b. </a:t>
+            </a:r>
+            <a:r>
+              <a:rPr lang="en-US" dirty="0" err="1" smtClean="0"/>
+              <a:t>Optionally,start</a:t>
+            </a:r>
+            <a:r>
+              <a:rPr lang="en-US" dirty="0" smtClean="0"/>
+              <a:t> </a:t>
+            </a:r>
+            <a:r>
+              <a:rPr lang="en-US" dirty="0" err="1"/>
+              <a:t>tensorboard</a:t>
+            </a:r>
+            <a:r>
+              <a:rPr lang="en-US" dirty="0"/>
+              <a:t> service, checkpoint service, </a:t>
+            </a:r>
+            <a:r>
+              <a:rPr lang="en-US" dirty="0" smtClean="0"/>
+              <a:t>evaluation </a:t>
+            </a:r>
+            <a:r>
+              <a:rPr lang="en-US" dirty="0" smtClean="0"/>
+              <a:t>service</a:t>
+            </a:r>
+            <a:r>
+              <a:rPr lang="en-US" b="1" dirty="0" smtClean="0"/>
+              <a:t>.</a:t>
+            </a:r>
+            <a:endParaRPr lang="en-US" b="1" dirty="0" smtClean="0"/>
+          </a:p>
+          <a:p>
+            <a:pPr algn="l" defTabSz="457200">
+              <a:defRPr sz="1100"/>
+            </a:pPr>
+            <a:r>
+              <a:rPr lang="en-US" altLang="zh-CN" dirty="0" smtClean="0"/>
+              <a:t>2c. Master start </a:t>
+            </a:r>
+            <a:r>
+              <a:rPr lang="en-US" altLang="zh-CN" dirty="0" err="1" smtClean="0"/>
+              <a:t>grpc</a:t>
+            </a:r>
+            <a:r>
+              <a:rPr lang="en-US" altLang="zh-CN" dirty="0" smtClean="0"/>
+              <a:t> service.</a:t>
+            </a:r>
+          </a:p>
+          <a:p>
+            <a:pPr algn="l" defTabSz="457200">
+              <a:defRPr sz="1100"/>
+            </a:pPr>
+            <a:r>
+              <a:rPr lang="en-US" dirty="0" smtClean="0"/>
+              <a:t>2d. Master </a:t>
+            </a:r>
+            <a:r>
+              <a:rPr lang="en-US" altLang="zh-CN" dirty="0" smtClean="0"/>
+              <a:t>launch</a:t>
+            </a:r>
+            <a:r>
+              <a:rPr lang="en-US" dirty="0" smtClean="0"/>
+              <a:t> worker </a:t>
+            </a:r>
+            <a:r>
+              <a:rPr lang="en-US" altLang="zh-CN" dirty="0" smtClean="0"/>
+              <a:t>manager</a:t>
+            </a:r>
+            <a:endParaRPr dirty="0"/>
+          </a:p>
+        </p:txBody>
+      </p:sp>
+      <p:sp>
+        <p:nvSpPr>
+          <p:cNvPr id="27" name="Model1"/>
+          <p:cNvSpPr/>
+          <p:nvPr/>
+        </p:nvSpPr>
+        <p:spPr>
+          <a:xfrm rot="5400000">
+            <a:off x="10162447" y="6039692"/>
+            <a:ext cx="1358491" cy="446922"/>
+          </a:xfrm>
+          <a:prstGeom prst="roundRect">
+            <a:avLst>
+              <a:gd name="adj" fmla="val 37096"/>
+            </a:avLst>
+          </a:prstGeom>
+          <a:noFill/>
+          <a:ln w="12700">
+            <a:miter lim="400000"/>
+          </a:ln>
+          <a:extLst>
+            <a:ext uri="{C572A759-6A51-4108-AA02-DFA0A04FC94B}">
+              <ma14:wrappingTextBoxFlag xmlns:ma14="http://schemas.microsoft.com/office/mac/drawingml/2011/main" xmlns:a14="http://schemas.microsoft.com/office/drawing/2010/main" xmlns:m="http://schemas.openxmlformats.org/officeDocument/2006/math" xmlns="" val="1"/>
+            </a:ext>
+          </a:extLst>
+        </p:spPr>
+        <p:txBody>
+          <a:bodyPr lIns="101600" tIns="101600" rIns="101600" bIns="101600" anchor="ctr"/>
+          <a:lstStyle>
+            <a:lvl1pPr defTabSz="457200">
+              <a:defRPr>
+                <a:solidFill>
+                  <a:srgbClr val="FFFFFF"/>
+                </a:solidFill>
+              </a:defRPr>
+            </a:lvl1pPr>
+          </a:lstStyle>
+          <a:p>
+            <a:r>
+              <a:rPr lang="en-US" altLang="zh-CN" sz="1600" b="1" dirty="0" smtClean="0">
+                <a:solidFill>
+                  <a:schemeClr val="tx1"/>
+                </a:solidFill>
+              </a:rPr>
+              <a:t>……</a:t>
+            </a:r>
+            <a:endParaRPr sz="1600" b="1" dirty="0">
+              <a:solidFill>
+                <a:schemeClr val="tx1"/>
+              </a:solidFill>
+            </a:endParaRPr>
+          </a:p>
+        </p:txBody>
+      </p:sp>
+      <p:sp>
+        <p:nvSpPr>
+          <p:cNvPr id="29" name="nn.Module"/>
+          <p:cNvSpPr/>
+          <p:nvPr/>
+        </p:nvSpPr>
+        <p:spPr>
+          <a:xfrm>
+            <a:off x="10162446" y="2292370"/>
             <a:ext cx="1358491" cy="446922"/>
           </a:xfrm>
           <a:prstGeom prst="roundRect">
@@ -3980,7 +4334,7 @@
           </a:ln>
           <a:extLst>
             <a:ext uri="{C572A759-6A51-4108-AA02-DFA0A04FC94B}">
-              <ma14:wrappingTextBoxFlag xmlns="" xmlns:m="http://schemas.openxmlformats.org/officeDocument/2006/math" xmlns:a14="http://schemas.microsoft.com/office/drawing/2010/main" xmlns:ma14="http://schemas.microsoft.com/office/mac/drawingml/2011/main" val="1"/>
+              <ma14:wrappingTextBoxFlag xmlns:ma14="http://schemas.microsoft.com/office/mac/drawingml/2011/main" xmlns:a14="http://schemas.microsoft.com/office/drawing/2010/main" xmlns:m="http://schemas.openxmlformats.org/officeDocument/2006/math" xmlns="" val="1"/>
             </a:ext>
           </a:extLst>
         </p:spPr>
@@ -3997,16 +4351,8 @@
           </a:lstStyle>
           <a:p>
             <a:r>
-              <a:rPr dirty="0" smtClean="0"/>
-              <a:t>Model</a:t>
-            </a:r>
-            <a:r>
-              <a:rPr lang="en-US" altLang="zh-CN" dirty="0" smtClean="0"/>
-              <a:t>-</a:t>
-            </a:r>
-            <a:r>
-              <a:rPr dirty="0" smtClean="0"/>
-              <a:t>1</a:t>
+              <a:rPr lang="en-US" dirty="0" smtClean="0"/>
+              <a:t>Data</a:t>
             </a:r>
             <a:endParaRPr dirty="0"/>
           </a:p>
@@ -4014,14 +4360,14 @@
       </p:sp>
       <p:sp>
         <p:nvSpPr>
-          <p:cNvPr id="135" name="直线"/>
+          <p:cNvPr id="31" name="直线"/>
           <p:cNvSpPr/>
           <p:nvPr/>
         </p:nvSpPr>
         <p:spPr>
           <a:xfrm>
-            <a:off x="5505809" y="2441734"/>
-            <a:ext cx="9165" cy="543030"/>
+            <a:off x="3914240" y="4955945"/>
+            <a:ext cx="167" cy="698401"/>
           </a:xfrm>
           <a:prstGeom prst="line">
             <a:avLst/>
@@ -4051,637 +4397,14 @@
       </p:sp>
       <p:sp>
         <p:nvSpPr>
-          <p:cNvPr id="136" name="Query status"/>
-          <p:cNvSpPr txBox="1"/>
-          <p:nvPr/>
-        </p:nvSpPr>
-        <p:spPr>
-          <a:xfrm>
-            <a:off x="4572934" y="2515831"/>
-            <a:ext cx="1059697" cy="319486"/>
-          </a:xfrm>
-          <a:prstGeom prst="rect">
-            <a:avLst/>
-          </a:prstGeom>
-          <a:ln w="12700">
-            <a:miter lim="400000"/>
-          </a:ln>
-          <a:extLst>
-            <a:ext uri="{C572A759-6A51-4108-AA02-DFA0A04FC94B}">
-              <ma14:wrappingTextBoxFlag xmlns="" xmlns:m="http://schemas.openxmlformats.org/officeDocument/2006/math" xmlns:a14="http://schemas.microsoft.com/office/drawing/2010/main" xmlns:ma14="http://schemas.microsoft.com/office/mac/drawingml/2011/main" val="1"/>
-            </a:ext>
-          </a:extLst>
-        </p:spPr>
-        <p:txBody>
-          <a:bodyPr lIns="50800" tIns="50800" rIns="50800" bIns="50800"/>
-          <a:lstStyle>
-            <a:lvl1pPr algn="l" defTabSz="457200">
-              <a:defRPr sz="1100"/>
-            </a:lvl1pPr>
-          </a:lstStyle>
-          <a:p>
-            <a:r>
-              <a:rPr dirty="0"/>
-              <a:t>Query status</a:t>
-            </a:r>
-          </a:p>
-        </p:txBody>
-      </p:sp>
-      <p:sp>
-        <p:nvSpPr>
-          <p:cNvPr id="137" name="直线"/>
-          <p:cNvSpPr/>
-          <p:nvPr/>
-        </p:nvSpPr>
-        <p:spPr>
-          <a:xfrm flipH="1">
-            <a:off x="9504443" y="2534849"/>
-            <a:ext cx="428444" cy="346646"/>
-          </a:xfrm>
-          <a:prstGeom prst="line">
-            <a:avLst/>
-          </a:prstGeom>
-          <a:ln w="25400">
-            <a:solidFill>
-              <a:srgbClr val="000000"/>
-            </a:solidFill>
-            <a:miter lim="400000"/>
-            <a:tailEnd type="triangle"/>
-          </a:ln>
-        </p:spPr>
-        <p:txBody>
-          <a:bodyPr lIns="101600" tIns="101600" rIns="101600" bIns="101600" anchor="ctr"/>
-          <a:lstStyle/>
-          <a:p>
-            <a:pPr defTabSz="457200">
-              <a:defRPr sz="1200">
-                <a:solidFill>
-                  <a:srgbClr val="FFFFFF"/>
-                </a:solidFill>
-              </a:defRPr>
-            </a:pPr>
-            <a:endParaRPr/>
-          </a:p>
-        </p:txBody>
-      </p:sp>
-      <p:sp>
-        <p:nvSpPr>
-          <p:cNvPr id="138" name="直线"/>
-          <p:cNvSpPr/>
-          <p:nvPr/>
-        </p:nvSpPr>
-        <p:spPr>
-          <a:xfrm flipV="1">
-            <a:off x="5834297" y="4233188"/>
-            <a:ext cx="4977" cy="701871"/>
-          </a:xfrm>
-          <a:prstGeom prst="line">
-            <a:avLst/>
-          </a:prstGeom>
-          <a:ln w="25400">
-            <a:solidFill>
-              <a:srgbClr val="000000"/>
-            </a:solidFill>
-            <a:miter lim="400000"/>
-            <a:tailEnd type="triangle"/>
-          </a:ln>
-        </p:spPr>
-        <p:txBody>
-          <a:bodyPr lIns="101600" tIns="101600" rIns="101600" bIns="101600" anchor="ctr"/>
-          <a:lstStyle/>
-          <a:p>
-            <a:pPr defTabSz="457200">
-              <a:defRPr sz="1200">
-                <a:solidFill>
-                  <a:srgbClr val="FFFFFF"/>
-                </a:solidFill>
-              </a:defRPr>
-            </a:pPr>
-            <a:endParaRPr/>
-          </a:p>
-        </p:txBody>
-      </p:sp>
-      <p:sp>
-        <p:nvSpPr>
-          <p:cNvPr id="140" name="4. A bee GetTask from coordinator, read corresponding data from shared storage, running the task (training or evaluation)"/>
-          <p:cNvSpPr txBox="1"/>
-          <p:nvPr/>
-        </p:nvSpPr>
-        <p:spPr>
-          <a:xfrm>
-            <a:off x="2446429" y="4200594"/>
-            <a:ext cx="2698527" cy="878504"/>
-          </a:xfrm>
-          <a:prstGeom prst="rect">
-            <a:avLst/>
-          </a:prstGeom>
-          <a:ln w="12700">
-            <a:miter lim="400000"/>
-          </a:ln>
-          <a:extLst>
-            <a:ext uri="{C572A759-6A51-4108-AA02-DFA0A04FC94B}">
-              <ma14:wrappingTextBoxFlag xmlns="" xmlns:m="http://schemas.openxmlformats.org/officeDocument/2006/math" xmlns:a14="http://schemas.microsoft.com/office/drawing/2010/main" xmlns:ma14="http://schemas.microsoft.com/office/mac/drawingml/2011/main" val="1"/>
-            </a:ext>
-          </a:extLst>
-        </p:spPr>
-        <p:txBody>
-          <a:bodyPr lIns="50800" tIns="50800" rIns="50800" bIns="50800"/>
-          <a:lstStyle>
-            <a:lvl1pPr algn="l" defTabSz="457200">
-              <a:defRPr sz="1100"/>
-            </a:lvl1pPr>
-          </a:lstStyle>
-          <a:p>
-            <a:r>
-              <a:rPr lang="en-US" dirty="0" smtClean="0"/>
-              <a:t>3</a:t>
-            </a:r>
-            <a:r>
-              <a:rPr dirty="0" smtClean="0"/>
-              <a:t>. </a:t>
-            </a:r>
-            <a:r>
-              <a:rPr dirty="0"/>
-              <a:t>A </a:t>
-            </a:r>
-            <a:r>
-              <a:rPr lang="en-US" dirty="0" smtClean="0"/>
-              <a:t>worker</a:t>
-            </a:r>
-            <a:r>
-              <a:rPr dirty="0" smtClean="0"/>
-              <a:t> </a:t>
-            </a:r>
-            <a:r>
-              <a:rPr lang="en-US" altLang="zh-CN" dirty="0" smtClean="0"/>
-              <a:t>GetModel ,and </a:t>
-            </a:r>
-            <a:r>
-              <a:rPr dirty="0" err="1" smtClean="0"/>
-              <a:t>GetTask</a:t>
-            </a:r>
-            <a:r>
-              <a:rPr dirty="0" smtClean="0"/>
-              <a:t> </a:t>
-            </a:r>
-            <a:r>
-              <a:rPr dirty="0"/>
-              <a:t>from </a:t>
-            </a:r>
-            <a:r>
-              <a:rPr lang="en-US" dirty="0" smtClean="0"/>
-              <a:t>master</a:t>
-            </a:r>
-            <a:r>
-              <a:rPr dirty="0" smtClean="0"/>
-              <a:t>, </a:t>
-            </a:r>
-            <a:r>
-              <a:rPr dirty="0"/>
-              <a:t>read corresponding data from shared storage, running the task (training or evaluation)</a:t>
-            </a:r>
-          </a:p>
-        </p:txBody>
-      </p:sp>
-      <p:sp>
-        <p:nvSpPr>
-          <p:cNvPr id="141" name="5. A bee finishes the task, write results to shared storage if required, tell coordinator by PushResult, then back to 4."/>
-          <p:cNvSpPr txBox="1"/>
-          <p:nvPr/>
-        </p:nvSpPr>
-        <p:spPr>
-          <a:xfrm>
-            <a:off x="5911701" y="4170066"/>
-            <a:ext cx="2703152" cy="878503"/>
-          </a:xfrm>
-          <a:prstGeom prst="rect">
-            <a:avLst/>
-          </a:prstGeom>
-          <a:ln w="12700">
-            <a:miter lim="400000"/>
-          </a:ln>
-          <a:extLst>
-            <a:ext uri="{C572A759-6A51-4108-AA02-DFA0A04FC94B}">
-              <ma14:wrappingTextBoxFlag xmlns="" xmlns:m="http://schemas.openxmlformats.org/officeDocument/2006/math" xmlns:a14="http://schemas.microsoft.com/office/drawing/2010/main" xmlns:ma14="http://schemas.microsoft.com/office/mac/drawingml/2011/main" val="1"/>
-            </a:ext>
-          </a:extLst>
-        </p:spPr>
-        <p:txBody>
-          <a:bodyPr lIns="50800" tIns="50800" rIns="50800" bIns="50800"/>
-          <a:lstStyle>
-            <a:lvl1pPr algn="l" defTabSz="457200">
-              <a:defRPr sz="1100"/>
-            </a:lvl1pPr>
-          </a:lstStyle>
-          <a:p>
-            <a:r>
-              <a:rPr lang="en-US" dirty="0" smtClean="0"/>
-              <a:t>4</a:t>
-            </a:r>
-            <a:r>
-              <a:rPr dirty="0" smtClean="0"/>
-              <a:t>. </a:t>
-            </a:r>
-            <a:r>
-              <a:rPr dirty="0"/>
-              <a:t>A </a:t>
-            </a:r>
-            <a:r>
-              <a:rPr lang="en-US" dirty="0" smtClean="0"/>
-              <a:t>worker</a:t>
-            </a:r>
-            <a:r>
-              <a:rPr dirty="0" smtClean="0"/>
-              <a:t> </a:t>
-            </a:r>
-            <a:r>
-              <a:rPr dirty="0"/>
-              <a:t>finishes the task, write results to shared storage if required, </a:t>
-            </a:r>
-            <a:r>
-              <a:rPr lang="en-US" dirty="0" smtClean="0"/>
-              <a:t>tell master </a:t>
-            </a:r>
-            <a:r>
-              <a:rPr dirty="0" smtClean="0"/>
-              <a:t>by </a:t>
-            </a:r>
-            <a:r>
-              <a:rPr lang="en-US" dirty="0" err="1" smtClean="0"/>
-              <a:t>Reportxxx</a:t>
-            </a:r>
-            <a:r>
-              <a:rPr dirty="0" smtClean="0"/>
-              <a:t>, </a:t>
-            </a:r>
-            <a:r>
-              <a:rPr dirty="0"/>
-              <a:t>then back to </a:t>
-            </a:r>
-            <a:r>
-              <a:rPr lang="en-US" dirty="0" smtClean="0"/>
-              <a:t>3</a:t>
-            </a:r>
-            <a:r>
-              <a:rPr dirty="0" smtClean="0"/>
-              <a:t>.</a:t>
-            </a:r>
-            <a:endParaRPr dirty="0"/>
-          </a:p>
-        </p:txBody>
-      </p:sp>
-      <p:sp>
-        <p:nvSpPr>
-          <p:cNvPr id="142" name="3a. Coordinator creates a task queue (data, nn.Module, hyperparameter, optional_init_model).…"/>
-          <p:cNvSpPr txBox="1"/>
-          <p:nvPr/>
-        </p:nvSpPr>
-        <p:spPr>
-          <a:xfrm>
-            <a:off x="1701107" y="1646191"/>
-            <a:ext cx="2143999" cy="1320782"/>
-          </a:xfrm>
-          <a:prstGeom prst="rect">
-            <a:avLst/>
-          </a:prstGeom>
-          <a:ln w="12700">
-            <a:miter lim="400000"/>
-          </a:ln>
-          <a:extLst>
-            <a:ext uri="{C572A759-6A51-4108-AA02-DFA0A04FC94B}">
-              <ma14:wrappingTextBoxFlag xmlns="" xmlns:m="http://schemas.openxmlformats.org/officeDocument/2006/math" xmlns:a14="http://schemas.microsoft.com/office/drawing/2010/main" xmlns:ma14="http://schemas.microsoft.com/office/mac/drawingml/2011/main" val="1"/>
-            </a:ext>
-          </a:extLst>
-        </p:spPr>
-        <p:txBody>
-          <a:bodyPr lIns="50800" tIns="50800" rIns="50800" bIns="50800"/>
-          <a:lstStyle/>
-          <a:p>
-            <a:pPr algn="l" defTabSz="457200">
-              <a:defRPr sz="1100"/>
-            </a:pPr>
-            <a:r>
-              <a:rPr lang="en-US" dirty="0" smtClean="0"/>
-              <a:t>2</a:t>
-            </a:r>
-            <a:r>
-              <a:rPr dirty="0" smtClean="0"/>
-              <a:t>a</a:t>
-            </a:r>
-            <a:r>
-              <a:rPr dirty="0"/>
-              <a:t>. </a:t>
-            </a:r>
-            <a:r>
-              <a:rPr lang="en-US" dirty="0" smtClean="0"/>
-              <a:t>Master</a:t>
-            </a:r>
-            <a:r>
-              <a:rPr dirty="0" smtClean="0"/>
-              <a:t> </a:t>
-            </a:r>
-            <a:r>
-              <a:rPr lang="en-US" dirty="0" smtClean="0"/>
-              <a:t>create</a:t>
-            </a:r>
-            <a:r>
-              <a:rPr dirty="0" smtClean="0"/>
-              <a:t> task</a:t>
-            </a:r>
-            <a:r>
-              <a:rPr lang="en-US" dirty="0" smtClean="0"/>
-              <a:t> queue</a:t>
-            </a:r>
-          </a:p>
-          <a:p>
-            <a:pPr algn="l" defTabSz="457200">
-              <a:defRPr sz="1100"/>
-            </a:pPr>
-            <a:r>
-              <a:rPr lang="en-US" dirty="0" smtClean="0"/>
-              <a:t>2b. </a:t>
-            </a:r>
-            <a:r>
-              <a:rPr lang="en-US" dirty="0"/>
-              <a:t>Master start </a:t>
-            </a:r>
-            <a:r>
-              <a:rPr lang="en-US" dirty="0" err="1"/>
-              <a:t>tensorboard</a:t>
-            </a:r>
-            <a:r>
-              <a:rPr lang="en-US" dirty="0"/>
-              <a:t> service, checkpoint service, </a:t>
-            </a:r>
-            <a:r>
-              <a:rPr lang="en-US" dirty="0" smtClean="0"/>
-              <a:t>evaluation service *</a:t>
-            </a:r>
-          </a:p>
-          <a:p>
-            <a:pPr algn="l" defTabSz="457200">
-              <a:defRPr sz="1100"/>
-            </a:pPr>
-            <a:r>
-              <a:rPr lang="en-US" altLang="zh-CN" dirty="0" smtClean="0"/>
-              <a:t>2c. Master start </a:t>
-            </a:r>
-            <a:r>
-              <a:rPr lang="en-US" altLang="zh-CN" dirty="0"/>
-              <a:t>master service by </a:t>
-            </a:r>
-            <a:r>
-              <a:rPr lang="en-US" altLang="zh-CN" dirty="0" smtClean="0"/>
-              <a:t>parameter.</a:t>
-            </a:r>
-            <a:endParaRPr dirty="0"/>
-          </a:p>
-        </p:txBody>
-      </p:sp>
-      <p:sp>
-        <p:nvSpPr>
-          <p:cNvPr id="143" name="* Strategy module can be as simple as  just changing the learning rate and training from the previous model result."/>
-          <p:cNvSpPr txBox="1"/>
-          <p:nvPr/>
-        </p:nvSpPr>
-        <p:spPr>
-          <a:xfrm>
-            <a:off x="1714648" y="7162278"/>
-            <a:ext cx="8068287" cy="508218"/>
-          </a:xfrm>
-          <a:prstGeom prst="rect">
-            <a:avLst/>
-          </a:prstGeom>
-          <a:ln w="12700">
-            <a:miter lim="400000"/>
-          </a:ln>
-          <a:extLst>
-            <a:ext uri="{C572A759-6A51-4108-AA02-DFA0A04FC94B}">
-              <ma14:wrappingTextBoxFlag xmlns="" xmlns:m="http://schemas.openxmlformats.org/officeDocument/2006/math" xmlns:a14="http://schemas.microsoft.com/office/drawing/2010/main" xmlns:ma14="http://schemas.microsoft.com/office/mac/drawingml/2011/main" val="1"/>
-            </a:ext>
-          </a:extLst>
-        </p:spPr>
-        <p:txBody>
-          <a:bodyPr lIns="50800" tIns="50800" rIns="50800" bIns="50800"/>
-          <a:lstStyle>
-            <a:lvl1pPr algn="l" defTabSz="457200">
-              <a:defRPr sz="1100"/>
-            </a:lvl1pPr>
-          </a:lstStyle>
-          <a:p>
-            <a:r>
-              <a:rPr dirty="0"/>
-              <a:t>* </a:t>
-            </a:r>
-            <a:r>
-              <a:rPr lang="en-US" dirty="0" smtClean="0"/>
-              <a:t>These services are not required.</a:t>
-            </a:r>
-            <a:endParaRPr dirty="0"/>
-          </a:p>
-        </p:txBody>
-      </p:sp>
-      <p:sp>
-        <p:nvSpPr>
-          <p:cNvPr id="27" name="Model1"/>
-          <p:cNvSpPr/>
-          <p:nvPr/>
-        </p:nvSpPr>
-        <p:spPr>
-          <a:xfrm rot="5400000">
-            <a:off x="10162447" y="6039692"/>
-            <a:ext cx="1358491" cy="446922"/>
-          </a:xfrm>
-          <a:prstGeom prst="roundRect">
-            <a:avLst>
-              <a:gd name="adj" fmla="val 37096"/>
-            </a:avLst>
-          </a:prstGeom>
-          <a:noFill/>
-          <a:ln w="12700">
-            <a:miter lim="400000"/>
-          </a:ln>
-          <a:extLst>
-            <a:ext uri="{C572A759-6A51-4108-AA02-DFA0A04FC94B}">
-              <ma14:wrappingTextBoxFlag xmlns="" xmlns:m="http://schemas.openxmlformats.org/officeDocument/2006/math" xmlns:a14="http://schemas.microsoft.com/office/drawing/2010/main" xmlns:ma14="http://schemas.microsoft.com/office/mac/drawingml/2011/main" val="1"/>
-            </a:ext>
-          </a:extLst>
-        </p:spPr>
-        <p:txBody>
-          <a:bodyPr lIns="101600" tIns="101600" rIns="101600" bIns="101600" anchor="ctr"/>
-          <a:lstStyle>
-            <a:lvl1pPr defTabSz="457200">
-              <a:defRPr>
-                <a:solidFill>
-                  <a:srgbClr val="FFFFFF"/>
-                </a:solidFill>
-              </a:defRPr>
-            </a:lvl1pPr>
-          </a:lstStyle>
-          <a:p>
-            <a:r>
-              <a:rPr lang="en-US" altLang="zh-CN" sz="1600" b="1" dirty="0" smtClean="0">
-                <a:solidFill>
-                  <a:schemeClr val="tx1"/>
-                </a:solidFill>
-              </a:rPr>
-              <a:t>……</a:t>
-            </a:r>
-            <a:endParaRPr sz="1600" b="1" dirty="0">
-              <a:solidFill>
-                <a:schemeClr val="tx1"/>
-              </a:solidFill>
-            </a:endParaRPr>
-          </a:p>
-        </p:txBody>
-      </p:sp>
-      <p:sp>
-        <p:nvSpPr>
-          <p:cNvPr id="28" name="nn.Module"/>
-          <p:cNvSpPr/>
-          <p:nvPr/>
-        </p:nvSpPr>
-        <p:spPr>
-          <a:xfrm>
-            <a:off x="10130426" y="2767423"/>
-            <a:ext cx="1358491" cy="446922"/>
-          </a:xfrm>
-          <a:prstGeom prst="roundRect">
-            <a:avLst>
-              <a:gd name="adj" fmla="val 37096"/>
-            </a:avLst>
-          </a:prstGeom>
-          <a:solidFill>
-            <a:schemeClr val="accent1">
-              <a:lumOff val="16847"/>
-            </a:schemeClr>
-          </a:solidFill>
-          <a:ln w="12700">
-            <a:miter lim="400000"/>
-          </a:ln>
-          <a:extLst>
-            <a:ext uri="{C572A759-6A51-4108-AA02-DFA0A04FC94B}">
-              <ma14:wrappingTextBoxFlag xmlns="" xmlns:m="http://schemas.openxmlformats.org/officeDocument/2006/math" xmlns:a14="http://schemas.microsoft.com/office/drawing/2010/main" xmlns:ma14="http://schemas.microsoft.com/office/mac/drawingml/2011/main" val="1"/>
-            </a:ext>
-          </a:extLst>
-        </p:spPr>
-        <p:txBody>
-          <a:bodyPr lIns="101600" tIns="101600" rIns="101600" bIns="101600" anchor="ctr"/>
-          <a:lstStyle>
-            <a:lvl1pPr defTabSz="457200">
-              <a:defRPr>
-                <a:solidFill>
-                  <a:srgbClr val="FFFFFF"/>
-                </a:solidFill>
-              </a:defRPr>
-            </a:lvl1pPr>
-          </a:lstStyle>
-          <a:p>
-            <a:r>
-              <a:rPr lang="en-US" dirty="0" smtClean="0"/>
-              <a:t>Model file</a:t>
-            </a:r>
-            <a:endParaRPr dirty="0"/>
-          </a:p>
-        </p:txBody>
-      </p:sp>
-      <p:sp>
-        <p:nvSpPr>
-          <p:cNvPr id="29" name="nn.Module"/>
-          <p:cNvSpPr/>
-          <p:nvPr/>
-        </p:nvSpPr>
-        <p:spPr>
-          <a:xfrm>
-            <a:off x="10142432" y="3305211"/>
-            <a:ext cx="1358491" cy="446922"/>
-          </a:xfrm>
-          <a:prstGeom prst="roundRect">
-            <a:avLst>
-              <a:gd name="adj" fmla="val 37096"/>
-            </a:avLst>
-          </a:prstGeom>
-          <a:solidFill>
-            <a:schemeClr val="accent1">
-              <a:lumOff val="16847"/>
-            </a:schemeClr>
-          </a:solidFill>
-          <a:ln w="12700">
-            <a:miter lim="400000"/>
-          </a:ln>
-          <a:extLst>
-            <a:ext uri="{C572A759-6A51-4108-AA02-DFA0A04FC94B}">
-              <ma14:wrappingTextBoxFlag xmlns="" xmlns:m="http://schemas.openxmlformats.org/officeDocument/2006/math" xmlns:a14="http://schemas.microsoft.com/office/drawing/2010/main" xmlns:ma14="http://schemas.microsoft.com/office/mac/drawingml/2011/main" val="1"/>
-            </a:ext>
-          </a:extLst>
-        </p:spPr>
-        <p:txBody>
-          <a:bodyPr lIns="101600" tIns="101600" rIns="101600" bIns="101600" anchor="ctr"/>
-          <a:lstStyle>
-            <a:lvl1pPr defTabSz="457200">
-              <a:defRPr>
-                <a:solidFill>
-                  <a:srgbClr val="FFFFFF"/>
-                </a:solidFill>
-              </a:defRPr>
-            </a:lvl1pPr>
-          </a:lstStyle>
-          <a:p>
-            <a:r>
-              <a:rPr lang="en-US" dirty="0" smtClean="0"/>
-              <a:t>Data</a:t>
-            </a:r>
-            <a:endParaRPr dirty="0"/>
-          </a:p>
-        </p:txBody>
-      </p:sp>
-      <p:sp>
-        <p:nvSpPr>
-          <p:cNvPr id="31" name="直线"/>
-          <p:cNvSpPr/>
-          <p:nvPr/>
-        </p:nvSpPr>
-        <p:spPr>
-          <a:xfrm flipV="1">
-            <a:off x="5250655" y="4236658"/>
-            <a:ext cx="167" cy="698401"/>
-          </a:xfrm>
-          <a:prstGeom prst="line">
-            <a:avLst/>
-          </a:prstGeom>
-          <a:ln w="25400">
-            <a:solidFill>
-              <a:srgbClr val="000000"/>
-            </a:solidFill>
-            <a:miter lim="400000"/>
-            <a:tailEnd type="triangle"/>
-          </a:ln>
-        </p:spPr>
-        <p:txBody>
-          <a:bodyPr lIns="101600" tIns="101600" rIns="101600" bIns="101600" anchor="ctr"/>
-          <a:lstStyle/>
-          <a:p>
-            <a:pPr defTabSz="457200">
-              <a:defRPr sz="1200">
-                <a:solidFill>
-                  <a:srgbClr val="FFFFFF"/>
-                </a:solidFill>
-              </a:defRPr>
-            </a:pPr>
-            <a:endParaRPr/>
-          </a:p>
-        </p:txBody>
-      </p:sp>
-      <p:sp>
-        <p:nvSpPr>
           <p:cNvPr id="32" name="直线"/>
           <p:cNvSpPr/>
           <p:nvPr/>
         </p:nvSpPr>
         <p:spPr>
           <a:xfrm flipV="1">
-            <a:off x="7037173" y="4545943"/>
-            <a:ext cx="2903477" cy="389116"/>
+            <a:off x="9281160" y="5269842"/>
+            <a:ext cx="659490" cy="434463"/>
           </a:xfrm>
           <a:prstGeom prst="line">
             <a:avLst/>
@@ -4810,7 +4533,7 @@
           </a:ln>
           <a:extLst>
             <a:ext uri="{C572A759-6A51-4108-AA02-DFA0A04FC94B}">
-              <ma14:wrappingTextBoxFlag xmlns="" xmlns:m="http://schemas.openxmlformats.org/officeDocument/2006/math" xmlns:a14="http://schemas.microsoft.com/office/drawing/2010/main" xmlns:ma14="http://schemas.microsoft.com/office/mac/drawingml/2011/main" val="1"/>
+              <ma14:wrappingTextBoxFlag xmlns:ma14="http://schemas.microsoft.com/office/mac/drawingml/2011/main" xmlns:a14="http://schemas.microsoft.com/office/drawing/2010/main" xmlns:m="http://schemas.openxmlformats.org/officeDocument/2006/math" xmlns="" val="1"/>
             </a:ext>
           </a:extLst>
         </p:spPr>
@@ -4895,7 +4618,7 @@
           </a:ln>
           <a:extLst>
             <a:ext uri="{C572A759-6A51-4108-AA02-DFA0A04FC94B}">
-              <ma14:wrappingTextBoxFlag xmlns="" xmlns:m="http://schemas.openxmlformats.org/officeDocument/2006/math" xmlns:a14="http://schemas.microsoft.com/office/drawing/2010/main" xmlns:ma14="http://schemas.microsoft.com/office/mac/drawingml/2011/main" val="1"/>
+              <ma14:wrappingTextBoxFlag xmlns:ma14="http://schemas.microsoft.com/office/mac/drawingml/2011/main" xmlns:a14="http://schemas.microsoft.com/office/drawing/2010/main" xmlns:m="http://schemas.openxmlformats.org/officeDocument/2006/math" xmlns="" val="1"/>
             </a:ext>
           </a:extLst>
         </p:spPr>
@@ -4980,7 +4703,7 @@
           </a:ln>
           <a:extLst>
             <a:ext uri="{C572A759-6A51-4108-AA02-DFA0A04FC94B}">
-              <ma14:wrappingTextBoxFlag xmlns="" xmlns:m="http://schemas.openxmlformats.org/officeDocument/2006/math" xmlns:a14="http://schemas.microsoft.com/office/drawing/2010/main" xmlns:ma14="http://schemas.microsoft.com/office/mac/drawingml/2011/main" val="1"/>
+              <ma14:wrappingTextBoxFlag xmlns:ma14="http://schemas.microsoft.com/office/mac/drawingml/2011/main" xmlns:a14="http://schemas.microsoft.com/office/drawing/2010/main" xmlns:m="http://schemas.openxmlformats.org/officeDocument/2006/math" xmlns="" val="1"/>
             </a:ext>
           </a:extLst>
         </p:spPr>
@@ -5090,7 +4813,7 @@
           </a:ln>
           <a:extLst>
             <a:ext uri="{C572A759-6A51-4108-AA02-DFA0A04FC94B}">
-              <ma14:wrappingTextBoxFlag xmlns="" xmlns:m="http://schemas.openxmlformats.org/officeDocument/2006/math" xmlns:a14="http://schemas.microsoft.com/office/drawing/2010/main" xmlns:ma14="http://schemas.microsoft.com/office/mac/drawingml/2011/main" val="1"/>
+              <ma14:wrappingTextBoxFlag xmlns:ma14="http://schemas.microsoft.com/office/mac/drawingml/2011/main" xmlns:a14="http://schemas.microsoft.com/office/drawing/2010/main" xmlns:m="http://schemas.openxmlformats.org/officeDocument/2006/math" xmlns="" val="1"/>
             </a:ext>
           </a:extLst>
         </p:spPr>
@@ -5175,7 +4898,7 @@
           </a:ln>
           <a:extLst>
             <a:ext uri="{C572A759-6A51-4108-AA02-DFA0A04FC94B}">
-              <ma14:wrappingTextBoxFlag xmlns="" xmlns:m="http://schemas.openxmlformats.org/officeDocument/2006/math" xmlns:a14="http://schemas.microsoft.com/office/drawing/2010/main" xmlns:ma14="http://schemas.microsoft.com/office/mac/drawingml/2011/main" val="1"/>
+              <ma14:wrappingTextBoxFlag xmlns:ma14="http://schemas.microsoft.com/office/mac/drawingml/2011/main" xmlns:a14="http://schemas.microsoft.com/office/drawing/2010/main" xmlns:m="http://schemas.openxmlformats.org/officeDocument/2006/math" xmlns="" val="1"/>
             </a:ext>
           </a:extLst>
         </p:spPr>
@@ -5285,7 +5008,7 @@
           </a:ln>
           <a:extLst>
             <a:ext uri="{C572A759-6A51-4108-AA02-DFA0A04FC94B}">
-              <ma14:wrappingTextBoxFlag xmlns="" xmlns:m="http://schemas.openxmlformats.org/officeDocument/2006/math" xmlns:a14="http://schemas.microsoft.com/office/drawing/2010/main" xmlns:ma14="http://schemas.microsoft.com/office/mac/drawingml/2011/main" val="1"/>
+              <ma14:wrappingTextBoxFlag xmlns:ma14="http://schemas.microsoft.com/office/mac/drawingml/2011/main" xmlns:a14="http://schemas.microsoft.com/office/drawing/2010/main" xmlns:m="http://schemas.openxmlformats.org/officeDocument/2006/math" xmlns="" val="1"/>
             </a:ext>
           </a:extLst>
         </p:spPr>
@@ -5370,7 +5093,7 @@
           </a:ln>
           <a:extLst>
             <a:ext uri="{C572A759-6A51-4108-AA02-DFA0A04FC94B}">
-              <ma14:wrappingTextBoxFlag xmlns="" xmlns:m="http://schemas.openxmlformats.org/officeDocument/2006/math" xmlns:a14="http://schemas.microsoft.com/office/drawing/2010/main" xmlns:ma14="http://schemas.microsoft.com/office/mac/drawingml/2011/main" val="1"/>
+              <ma14:wrappingTextBoxFlag xmlns:ma14="http://schemas.microsoft.com/office/mac/drawingml/2011/main" xmlns:a14="http://schemas.microsoft.com/office/drawing/2010/main" xmlns:m="http://schemas.openxmlformats.org/officeDocument/2006/math" xmlns="" val="1"/>
             </a:ext>
           </a:extLst>
         </p:spPr>
@@ -5455,7 +5178,7 @@
           </a:ln>
           <a:extLst>
             <a:ext uri="{C572A759-6A51-4108-AA02-DFA0A04FC94B}">
-              <ma14:wrappingTextBoxFlag xmlns="" xmlns:m="http://schemas.openxmlformats.org/officeDocument/2006/math" xmlns:a14="http://schemas.microsoft.com/office/drawing/2010/main" xmlns:ma14="http://schemas.microsoft.com/office/mac/drawingml/2011/main" val="1"/>
+              <ma14:wrappingTextBoxFlag xmlns:ma14="http://schemas.microsoft.com/office/mac/drawingml/2011/main" xmlns:a14="http://schemas.microsoft.com/office/drawing/2010/main" xmlns:m="http://schemas.openxmlformats.org/officeDocument/2006/math" xmlns="" val="1"/>
             </a:ext>
           </a:extLst>
         </p:spPr>
@@ -5558,7 +5281,7 @@
           </a:ln>
           <a:extLst>
             <a:ext uri="{C572A759-6A51-4108-AA02-DFA0A04FC94B}">
-              <ma14:wrappingTextBoxFlag xmlns="" xmlns:m="http://schemas.openxmlformats.org/officeDocument/2006/math" xmlns:a14="http://schemas.microsoft.com/office/drawing/2010/main" xmlns:ma14="http://schemas.microsoft.com/office/mac/drawingml/2011/main" val="1"/>
+              <ma14:wrappingTextBoxFlag xmlns:ma14="http://schemas.microsoft.com/office/mac/drawingml/2011/main" xmlns:a14="http://schemas.microsoft.com/office/drawing/2010/main" xmlns:m="http://schemas.openxmlformats.org/officeDocument/2006/math" xmlns="" val="1"/>
             </a:ext>
           </a:extLst>
         </p:spPr>
@@ -5643,7 +5366,7 @@
           </a:ln>
           <a:extLst>
             <a:ext uri="{C572A759-6A51-4108-AA02-DFA0A04FC94B}">
-              <ma14:wrappingTextBoxFlag xmlns="" xmlns:m="http://schemas.openxmlformats.org/officeDocument/2006/math" xmlns:a14="http://schemas.microsoft.com/office/drawing/2010/main" xmlns:ma14="http://schemas.microsoft.com/office/mac/drawingml/2011/main" val="1"/>
+              <ma14:wrappingTextBoxFlag xmlns:ma14="http://schemas.microsoft.com/office/mac/drawingml/2011/main" xmlns:a14="http://schemas.microsoft.com/office/drawing/2010/main" xmlns:m="http://schemas.openxmlformats.org/officeDocument/2006/math" xmlns="" val="1"/>
             </a:ext>
           </a:extLst>
         </p:spPr>
@@ -5753,7 +5476,7 @@
           </a:ln>
           <a:extLst>
             <a:ext uri="{C572A759-6A51-4108-AA02-DFA0A04FC94B}">
-              <ma14:wrappingTextBoxFlag xmlns="" xmlns:m="http://schemas.openxmlformats.org/officeDocument/2006/math" xmlns:a14="http://schemas.microsoft.com/office/drawing/2010/main" xmlns:ma14="http://schemas.microsoft.com/office/mac/drawingml/2011/main" val="1"/>
+              <ma14:wrappingTextBoxFlag xmlns:ma14="http://schemas.microsoft.com/office/mac/drawingml/2011/main" xmlns:a14="http://schemas.microsoft.com/office/drawing/2010/main" xmlns:m="http://schemas.openxmlformats.org/officeDocument/2006/math" xmlns="" val="1"/>
             </a:ext>
           </a:extLst>
         </p:spPr>
@@ -5838,7 +5561,7 @@
           </a:ln>
           <a:extLst>
             <a:ext uri="{C572A759-6A51-4108-AA02-DFA0A04FC94B}">
-              <ma14:wrappingTextBoxFlag xmlns="" xmlns:m="http://schemas.openxmlformats.org/officeDocument/2006/math" xmlns:a14="http://schemas.microsoft.com/office/drawing/2010/main" xmlns:ma14="http://schemas.microsoft.com/office/mac/drawingml/2011/main" val="1"/>
+              <ma14:wrappingTextBoxFlag xmlns:ma14="http://schemas.microsoft.com/office/mac/drawingml/2011/main" xmlns:a14="http://schemas.microsoft.com/office/drawing/2010/main" xmlns:m="http://schemas.openxmlformats.org/officeDocument/2006/math" xmlns="" val="1"/>
             </a:ext>
           </a:extLst>
         </p:spPr>
@@ -5923,7 +5646,7 @@
           </a:ln>
           <a:extLst>
             <a:ext uri="{C572A759-6A51-4108-AA02-DFA0A04FC94B}">
-              <ma14:wrappingTextBoxFlag xmlns="" xmlns:m="http://schemas.openxmlformats.org/officeDocument/2006/math" xmlns:a14="http://schemas.microsoft.com/office/drawing/2010/main" xmlns:ma14="http://schemas.microsoft.com/office/mac/drawingml/2011/main" val="1"/>
+              <ma14:wrappingTextBoxFlag xmlns:ma14="http://schemas.microsoft.com/office/mac/drawingml/2011/main" xmlns:a14="http://schemas.microsoft.com/office/drawing/2010/main" xmlns:m="http://schemas.openxmlformats.org/officeDocument/2006/math" xmlns="" val="1"/>
             </a:ext>
           </a:extLst>
         </p:spPr>
@@ -6008,7 +5731,7 @@
           </a:ln>
           <a:extLst>
             <a:ext uri="{C572A759-6A51-4108-AA02-DFA0A04FC94B}">
-              <ma14:wrappingTextBoxFlag xmlns="" xmlns:m="http://schemas.openxmlformats.org/officeDocument/2006/math" xmlns:a14="http://schemas.microsoft.com/office/drawing/2010/main" xmlns:ma14="http://schemas.microsoft.com/office/mac/drawingml/2011/main" val="1"/>
+              <ma14:wrappingTextBoxFlag xmlns:ma14="http://schemas.microsoft.com/office/mac/drawingml/2011/main" xmlns:a14="http://schemas.microsoft.com/office/drawing/2010/main" xmlns:m="http://schemas.openxmlformats.org/officeDocument/2006/math" xmlns="" val="1"/>
             </a:ext>
           </a:extLst>
         </p:spPr>
@@ -6118,7 +5841,7 @@
           </a:ln>
           <a:extLst>
             <a:ext uri="{C572A759-6A51-4108-AA02-DFA0A04FC94B}">
-              <ma14:wrappingTextBoxFlag xmlns="" xmlns:m="http://schemas.openxmlformats.org/officeDocument/2006/math" xmlns:a14="http://schemas.microsoft.com/office/drawing/2010/main" xmlns:ma14="http://schemas.microsoft.com/office/mac/drawingml/2011/main" val="1"/>
+              <ma14:wrappingTextBoxFlag xmlns:ma14="http://schemas.microsoft.com/office/mac/drawingml/2011/main" xmlns:a14="http://schemas.microsoft.com/office/drawing/2010/main" xmlns:m="http://schemas.openxmlformats.org/officeDocument/2006/math" xmlns="" val="1"/>
             </a:ext>
           </a:extLst>
         </p:spPr>
@@ -6203,7 +5926,7 @@
           </a:ln>
           <a:extLst>
             <a:ext uri="{C572A759-6A51-4108-AA02-DFA0A04FC94B}">
-              <ma14:wrappingTextBoxFlag xmlns="" xmlns:m="http://schemas.openxmlformats.org/officeDocument/2006/math" xmlns:a14="http://schemas.microsoft.com/office/drawing/2010/main" xmlns:ma14="http://schemas.microsoft.com/office/mac/drawingml/2011/main" val="1"/>
+              <ma14:wrappingTextBoxFlag xmlns:ma14="http://schemas.microsoft.com/office/mac/drawingml/2011/main" xmlns:a14="http://schemas.microsoft.com/office/drawing/2010/main" xmlns:m="http://schemas.openxmlformats.org/officeDocument/2006/math" xmlns="" val="1"/>
             </a:ext>
           </a:extLst>
         </p:spPr>
@@ -6313,7 +6036,7 @@
           </a:ln>
           <a:extLst>
             <a:ext uri="{C572A759-6A51-4108-AA02-DFA0A04FC94B}">
-              <ma14:wrappingTextBoxFlag xmlns="" xmlns:m="http://schemas.openxmlformats.org/officeDocument/2006/math" xmlns:a14="http://schemas.microsoft.com/office/drawing/2010/main" xmlns:ma14="http://schemas.microsoft.com/office/mac/drawingml/2011/main" val="1"/>
+              <ma14:wrappingTextBoxFlag xmlns:ma14="http://schemas.microsoft.com/office/mac/drawingml/2011/main" xmlns:a14="http://schemas.microsoft.com/office/drawing/2010/main" xmlns:m="http://schemas.openxmlformats.org/officeDocument/2006/math" xmlns="" val="1"/>
             </a:ext>
           </a:extLst>
         </p:spPr>
@@ -6412,7 +6135,7 @@
             </a:ln>
             <a:extLst>
               <a:ext uri="{C572A759-6A51-4108-AA02-DFA0A04FC94B}">
-                <ma14:wrappingTextBoxFlag xmlns="" xmlns:m="http://schemas.openxmlformats.org/officeDocument/2006/math" xmlns:a14="http://schemas.microsoft.com/office/drawing/2010/main" xmlns:ma14="http://schemas.microsoft.com/office/mac/drawingml/2011/main" val="1"/>
+                <ma14:wrappingTextBoxFlag xmlns:ma14="http://schemas.microsoft.com/office/mac/drawingml/2011/main" xmlns:a14="http://schemas.microsoft.com/office/drawing/2010/main" xmlns:m="http://schemas.openxmlformats.org/officeDocument/2006/math" xmlns="" val="1"/>
               </a:ext>
             </a:extLst>
           </p:spPr>
@@ -6503,7 +6226,7 @@
           </a:ln>
           <a:extLst>
             <a:ext uri="{C572A759-6A51-4108-AA02-DFA0A04FC94B}">
-              <ma14:wrappingTextBoxFlag xmlns="" xmlns:m="http://schemas.openxmlformats.org/officeDocument/2006/math" xmlns:a14="http://schemas.microsoft.com/office/drawing/2010/main" xmlns:ma14="http://schemas.microsoft.com/office/mac/drawingml/2011/main" val="1"/>
+              <ma14:wrappingTextBoxFlag xmlns:ma14="http://schemas.microsoft.com/office/mac/drawingml/2011/main" xmlns:a14="http://schemas.microsoft.com/office/drawing/2010/main" xmlns:m="http://schemas.openxmlformats.org/officeDocument/2006/math" xmlns="" val="1"/>
             </a:ext>
           </a:extLst>
         </p:spPr>
@@ -7077,7 +6800,7 @@
           </a:ln>
           <a:extLst>
             <a:ext uri="{C572A759-6A51-4108-AA02-DFA0A04FC94B}">
-              <ma14:wrappingTextBoxFlag xmlns="" xmlns:m="http://schemas.openxmlformats.org/officeDocument/2006/math" xmlns:a14="http://schemas.microsoft.com/office/drawing/2010/main" xmlns:ma14="http://schemas.microsoft.com/office/mac/drawingml/2011/main" val="1"/>
+              <ma14:wrappingTextBoxFlag xmlns:ma14="http://schemas.microsoft.com/office/mac/drawingml/2011/main" xmlns:a14="http://schemas.microsoft.com/office/drawing/2010/main" xmlns:m="http://schemas.openxmlformats.org/officeDocument/2006/math" xmlns="" val="1"/>
             </a:ext>
           </a:extLst>
         </p:spPr>
@@ -7112,7 +6835,7 @@
           </a:ln>
           <a:extLst>
             <a:ext uri="{C572A759-6A51-4108-AA02-DFA0A04FC94B}">
-              <ma14:wrappingTextBoxFlag xmlns="" xmlns:m="http://schemas.openxmlformats.org/officeDocument/2006/math" xmlns:a14="http://schemas.microsoft.com/office/drawing/2010/main" xmlns:ma14="http://schemas.microsoft.com/office/mac/drawingml/2011/main" val="1"/>
+              <ma14:wrappingTextBoxFlag xmlns:ma14="http://schemas.microsoft.com/office/mac/drawingml/2011/main" xmlns:a14="http://schemas.microsoft.com/office/drawing/2010/main" xmlns:m="http://schemas.openxmlformats.org/officeDocument/2006/math" xmlns="" val="1"/>
             </a:ext>
           </a:extLst>
         </p:spPr>
@@ -7147,7 +6870,7 @@
           </a:ln>
           <a:extLst>
             <a:ext uri="{C572A759-6A51-4108-AA02-DFA0A04FC94B}">
-              <ma14:wrappingTextBoxFlag xmlns="" xmlns:m="http://schemas.openxmlformats.org/officeDocument/2006/math" xmlns:a14="http://schemas.microsoft.com/office/drawing/2010/main" xmlns:ma14="http://schemas.microsoft.com/office/mac/drawingml/2011/main" val="1"/>
+              <ma14:wrappingTextBoxFlag xmlns:ma14="http://schemas.microsoft.com/office/mac/drawingml/2011/main" xmlns:a14="http://schemas.microsoft.com/office/drawing/2010/main" xmlns:m="http://schemas.openxmlformats.org/officeDocument/2006/math" xmlns="" val="1"/>
             </a:ext>
           </a:extLst>
         </p:spPr>
@@ -7182,7 +6905,7 @@
           </a:ln>
           <a:extLst>
             <a:ext uri="{C572A759-6A51-4108-AA02-DFA0A04FC94B}">
-              <ma14:wrappingTextBoxFlag xmlns="" xmlns:m="http://schemas.openxmlformats.org/officeDocument/2006/math" xmlns:a14="http://schemas.microsoft.com/office/drawing/2010/main" xmlns:ma14="http://schemas.microsoft.com/office/mac/drawingml/2011/main" val="1"/>
+              <ma14:wrappingTextBoxFlag xmlns:ma14="http://schemas.microsoft.com/office/mac/drawingml/2011/main" xmlns:a14="http://schemas.microsoft.com/office/drawing/2010/main" xmlns:m="http://schemas.openxmlformats.org/officeDocument/2006/math" xmlns="" val="1"/>
             </a:ext>
           </a:extLst>
         </p:spPr>
@@ -7217,7 +6940,7 @@
           </a:ln>
           <a:extLst>
             <a:ext uri="{C572A759-6A51-4108-AA02-DFA0A04FC94B}">
-              <ma14:wrappingTextBoxFlag xmlns="" xmlns:m="http://schemas.openxmlformats.org/officeDocument/2006/math" xmlns:a14="http://schemas.microsoft.com/office/drawing/2010/main" xmlns:ma14="http://schemas.microsoft.com/office/mac/drawingml/2011/main" val="1"/>
+              <ma14:wrappingTextBoxFlag xmlns:ma14="http://schemas.microsoft.com/office/mac/drawingml/2011/main" xmlns:a14="http://schemas.microsoft.com/office/drawing/2010/main" xmlns:m="http://schemas.openxmlformats.org/officeDocument/2006/math" xmlns="" val="1"/>
             </a:ext>
           </a:extLst>
         </p:spPr>
@@ -7253,7 +6976,7 @@
           </a:ln>
           <a:extLst>
             <a:ext uri="{C572A759-6A51-4108-AA02-DFA0A04FC94B}">
-              <ma14:wrappingTextBoxFlag xmlns="" xmlns:m="http://schemas.openxmlformats.org/officeDocument/2006/math" xmlns:a14="http://schemas.microsoft.com/office/drawing/2010/main" xmlns:ma14="http://schemas.microsoft.com/office/mac/drawingml/2011/main" val="1"/>
+              <ma14:wrappingTextBoxFlag xmlns:ma14="http://schemas.microsoft.com/office/mac/drawingml/2011/main" xmlns:a14="http://schemas.microsoft.com/office/drawing/2010/main" xmlns:m="http://schemas.openxmlformats.org/officeDocument/2006/math" xmlns="" val="1"/>
             </a:ext>
           </a:extLst>
         </p:spPr>
@@ -7289,7 +7012,7 @@
           </a:ln>
           <a:extLst>
             <a:ext uri="{C572A759-6A51-4108-AA02-DFA0A04FC94B}">
-              <ma14:wrappingTextBoxFlag xmlns="" xmlns:m="http://schemas.openxmlformats.org/officeDocument/2006/math" xmlns:a14="http://schemas.microsoft.com/office/drawing/2010/main" xmlns:ma14="http://schemas.microsoft.com/office/mac/drawingml/2011/main" val="1"/>
+              <ma14:wrappingTextBoxFlag xmlns:ma14="http://schemas.microsoft.com/office/mac/drawingml/2011/main" xmlns:a14="http://schemas.microsoft.com/office/drawing/2010/main" xmlns:m="http://schemas.openxmlformats.org/officeDocument/2006/math" xmlns="" val="1"/>
             </a:ext>
           </a:extLst>
         </p:spPr>
@@ -7325,7 +7048,7 @@
           </a:ln>
           <a:extLst>
             <a:ext uri="{C572A759-6A51-4108-AA02-DFA0A04FC94B}">
-              <ma14:wrappingTextBoxFlag xmlns="" xmlns:m="http://schemas.openxmlformats.org/officeDocument/2006/math" xmlns:a14="http://schemas.microsoft.com/office/drawing/2010/main" xmlns:ma14="http://schemas.microsoft.com/office/mac/drawingml/2011/main" val="1"/>
+              <ma14:wrappingTextBoxFlag xmlns:ma14="http://schemas.microsoft.com/office/mac/drawingml/2011/main" xmlns:a14="http://schemas.microsoft.com/office/drawing/2010/main" xmlns:m="http://schemas.openxmlformats.org/officeDocument/2006/math" xmlns="" val="1"/>
             </a:ext>
           </a:extLst>
         </p:spPr>
@@ -7487,7 +7210,7 @@
           </a:ln>
           <a:extLst>
             <a:ext uri="{C572A759-6A51-4108-AA02-DFA0A04FC94B}">
-              <ma14:wrappingTextBoxFlag xmlns="" xmlns:m="http://schemas.openxmlformats.org/officeDocument/2006/math" xmlns:a14="http://schemas.microsoft.com/office/drawing/2010/main" xmlns:ma14="http://schemas.microsoft.com/office/mac/drawingml/2011/main" val="1"/>
+              <ma14:wrappingTextBoxFlag xmlns:ma14="http://schemas.microsoft.com/office/mac/drawingml/2011/main" xmlns:a14="http://schemas.microsoft.com/office/drawing/2010/main" xmlns:m="http://schemas.openxmlformats.org/officeDocument/2006/math" xmlns="" val="1"/>
             </a:ext>
           </a:extLst>
         </p:spPr>
